--- a/Презентация.pptx
+++ b/Презентация.pptx
@@ -9,12 +9,13 @@
     <p:sldId id="257" r:id="rId3"/>
     <p:sldId id="258" r:id="rId4"/>
     <p:sldId id="259" r:id="rId5"/>
-    <p:sldId id="260" r:id="rId6"/>
-    <p:sldId id="261" r:id="rId7"/>
-    <p:sldId id="265" r:id="rId8"/>
-    <p:sldId id="266" r:id="rId9"/>
-    <p:sldId id="267" r:id="rId10"/>
-    <p:sldId id="262" r:id="rId11"/>
+    <p:sldId id="268" r:id="rId6"/>
+    <p:sldId id="260" r:id="rId7"/>
+    <p:sldId id="261" r:id="rId8"/>
+    <p:sldId id="265" r:id="rId9"/>
+    <p:sldId id="266" r:id="rId10"/>
+    <p:sldId id="267" r:id="rId11"/>
+    <p:sldId id="262" r:id="rId12"/>
   </p:sldIdLst>
   <p:sldSz cx="12192000" cy="6858000"/>
   <p:notesSz cx="6858000" cy="9144000"/>
@@ -171,7 +172,7 @@
           <a:noFill/>
           <a:extLst>
             <a:ext uri="{909E8E84-426E-40dd-AFC4-6F175D3DCCD1}">
-              <a14:hiddenFill xmlns="" xmlns:a14="http://schemas.microsoft.com/office/drawing/2010/main">
+              <a14:hiddenFill xmlns:a14="http://schemas.microsoft.com/office/drawing/2010/main" xmlns="">
                 <a:solidFill>
                   <a:srgbClr val="FFFFFF"/>
                 </a:solidFill>
@@ -231,7 +232,7 @@
             </a:ln>
             <a:extLst>
               <a:ext uri="{91240B29-F687-4f45-9708-019B960494DF}">
-                <a14:hiddenLine xmlns="" xmlns:a14="http://schemas.microsoft.com/office/drawing/2010/main" w="9525">
+                <a14:hiddenLine xmlns:a14="http://schemas.microsoft.com/office/drawing/2010/main" xmlns="" w="9525">
                   <a:solidFill>
                     <a:srgbClr val="000000"/>
                   </a:solidFill>
@@ -321,7 +322,7 @@
             </a:ln>
             <a:extLst>
               <a:ext uri="{91240B29-F687-4f45-9708-019B960494DF}">
-                <a14:hiddenLine xmlns="" xmlns:a14="http://schemas.microsoft.com/office/drawing/2010/main" w="9525">
+                <a14:hiddenLine xmlns:a14="http://schemas.microsoft.com/office/drawing/2010/main" xmlns="" w="9525">
                   <a:solidFill>
                     <a:srgbClr val="000000"/>
                   </a:solidFill>
@@ -411,7 +412,7 @@
             </a:ln>
             <a:extLst>
               <a:ext uri="{91240B29-F687-4f45-9708-019B960494DF}">
-                <a14:hiddenLine xmlns="" xmlns:a14="http://schemas.microsoft.com/office/drawing/2010/main" w="9525">
+                <a14:hiddenLine xmlns:a14="http://schemas.microsoft.com/office/drawing/2010/main" xmlns="" w="9525">
                   <a:solidFill>
                     <a:srgbClr val="000000"/>
                   </a:solidFill>
@@ -445,7 +446,7 @@
             </a:ln>
             <a:extLst>
               <a:ext uri="{91240B29-F687-4f45-9708-019B960494DF}">
-                <a14:hiddenLine xmlns="" xmlns:a14="http://schemas.microsoft.com/office/drawing/2010/main" w="9525">
+                <a14:hiddenLine xmlns:a14="http://schemas.microsoft.com/office/drawing/2010/main" xmlns="" w="9525">
                   <a:solidFill>
                     <a:srgbClr val="000000"/>
                   </a:solidFill>
@@ -535,7 +536,7 @@
             </a:ln>
             <a:extLst>
               <a:ext uri="{91240B29-F687-4f45-9708-019B960494DF}">
-                <a14:hiddenLine xmlns="" xmlns:a14="http://schemas.microsoft.com/office/drawing/2010/main" w="9525">
+                <a14:hiddenLine xmlns:a14="http://schemas.microsoft.com/office/drawing/2010/main" xmlns="" w="9525">
                   <a:solidFill>
                     <a:srgbClr val="000000"/>
                   </a:solidFill>
@@ -597,7 +598,7 @@
             </a:ln>
             <a:extLst>
               <a:ext uri="{91240B29-F687-4f45-9708-019B960494DF}">
-                <a14:hiddenLine xmlns="" xmlns:a14="http://schemas.microsoft.com/office/drawing/2010/main" w="9525">
+                <a14:hiddenLine xmlns:a14="http://schemas.microsoft.com/office/drawing/2010/main" xmlns="" w="9525">
                   <a:solidFill>
                     <a:srgbClr val="000000"/>
                   </a:solidFill>
@@ -659,7 +660,7 @@
             </a:ln>
             <a:extLst>
               <a:ext uri="{91240B29-F687-4f45-9708-019B960494DF}">
-                <a14:hiddenLine xmlns="" xmlns:a14="http://schemas.microsoft.com/office/drawing/2010/main" w="9525">
+                <a14:hiddenLine xmlns:a14="http://schemas.microsoft.com/office/drawing/2010/main" xmlns="" w="9525">
                   <a:solidFill>
                     <a:srgbClr val="000000"/>
                   </a:solidFill>
@@ -749,7 +750,7 @@
             </a:ln>
             <a:extLst>
               <a:ext uri="{91240B29-F687-4f45-9708-019B960494DF}">
-                <a14:hiddenLine xmlns="" xmlns:a14="http://schemas.microsoft.com/office/drawing/2010/main" w="9525">
+                <a14:hiddenLine xmlns:a14="http://schemas.microsoft.com/office/drawing/2010/main" xmlns="" w="9525">
                   <a:solidFill>
                     <a:srgbClr val="000000"/>
                   </a:solidFill>
@@ -811,7 +812,7 @@
             </a:ln>
             <a:extLst>
               <a:ext uri="{91240B29-F687-4f45-9708-019B960494DF}">
-                <a14:hiddenLine xmlns="" xmlns:a14="http://schemas.microsoft.com/office/drawing/2010/main" w="9525">
+                <a14:hiddenLine xmlns:a14="http://schemas.microsoft.com/office/drawing/2010/main" xmlns="" w="9525">
                   <a:solidFill>
                     <a:srgbClr val="000000"/>
                   </a:solidFill>
@@ -873,7 +874,7 @@
             </a:ln>
             <a:extLst>
               <a:ext uri="{91240B29-F687-4f45-9708-019B960494DF}">
-                <a14:hiddenLine xmlns="" xmlns:a14="http://schemas.microsoft.com/office/drawing/2010/main" w="9525">
+                <a14:hiddenLine xmlns:a14="http://schemas.microsoft.com/office/drawing/2010/main" xmlns="" w="9525">
                   <a:solidFill>
                     <a:srgbClr val="000000"/>
                   </a:solidFill>
@@ -963,7 +964,7 @@
             </a:ln>
             <a:extLst>
               <a:ext uri="{91240B29-F687-4f45-9708-019B960494DF}">
-                <a14:hiddenLine xmlns="" xmlns:a14="http://schemas.microsoft.com/office/drawing/2010/main" w="9525">
+                <a14:hiddenLine xmlns:a14="http://schemas.microsoft.com/office/drawing/2010/main" xmlns="" w="9525">
                   <a:solidFill>
                     <a:srgbClr val="000000"/>
                   </a:solidFill>
@@ -1053,7 +1054,7 @@
             </a:ln>
             <a:extLst>
               <a:ext uri="{91240B29-F687-4f45-9708-019B960494DF}">
-                <a14:hiddenLine xmlns="" xmlns:a14="http://schemas.microsoft.com/office/drawing/2010/main" w="9525">
+                <a14:hiddenLine xmlns:a14="http://schemas.microsoft.com/office/drawing/2010/main" xmlns="" w="9525">
                   <a:solidFill>
                     <a:srgbClr val="000000"/>
                   </a:solidFill>
@@ -1115,7 +1116,7 @@
             </a:ln>
             <a:extLst>
               <a:ext uri="{91240B29-F687-4f45-9708-019B960494DF}">
-                <a14:hiddenLine xmlns="" xmlns:a14="http://schemas.microsoft.com/office/drawing/2010/main" w="9525">
+                <a14:hiddenLine xmlns:a14="http://schemas.microsoft.com/office/drawing/2010/main" xmlns="" w="9525">
                   <a:solidFill>
                     <a:srgbClr val="000000"/>
                   </a:solidFill>
@@ -1225,7 +1226,7 @@
             </a:ln>
             <a:extLst>
               <a:ext uri="{91240B29-F687-4f45-9708-019B960494DF}">
-                <a14:hiddenLine xmlns="" xmlns:a14="http://schemas.microsoft.com/office/drawing/2010/main" w="9525">
+                <a14:hiddenLine xmlns:a14="http://schemas.microsoft.com/office/drawing/2010/main" xmlns="" w="9525">
                   <a:solidFill>
                     <a:srgbClr val="000000"/>
                   </a:solidFill>
@@ -1287,7 +1288,7 @@
             </a:ln>
             <a:extLst>
               <a:ext uri="{91240B29-F687-4f45-9708-019B960494DF}">
-                <a14:hiddenLine xmlns="" xmlns:a14="http://schemas.microsoft.com/office/drawing/2010/main" w="9525">
+                <a14:hiddenLine xmlns:a14="http://schemas.microsoft.com/office/drawing/2010/main" xmlns="" w="9525">
                   <a:solidFill>
                     <a:srgbClr val="000000"/>
                   </a:solidFill>
@@ -1377,7 +1378,7 @@
             </a:ln>
             <a:extLst>
               <a:ext uri="{91240B29-F687-4f45-9708-019B960494DF}">
-                <a14:hiddenLine xmlns="" xmlns:a14="http://schemas.microsoft.com/office/drawing/2010/main" w="9525">
+                <a14:hiddenLine xmlns:a14="http://schemas.microsoft.com/office/drawing/2010/main" xmlns="" w="9525">
                   <a:solidFill>
                     <a:srgbClr val="000000"/>
                   </a:solidFill>
@@ -1467,7 +1468,7 @@
             </a:ln>
             <a:extLst>
               <a:ext uri="{91240B29-F687-4f45-9708-019B960494DF}">
-                <a14:hiddenLine xmlns="" xmlns:a14="http://schemas.microsoft.com/office/drawing/2010/main" w="9525">
+                <a14:hiddenLine xmlns:a14="http://schemas.microsoft.com/office/drawing/2010/main" xmlns="" w="9525">
                   <a:solidFill>
                     <a:srgbClr val="000000"/>
                   </a:solidFill>
@@ -1529,7 +1530,7 @@
             </a:ln>
             <a:extLst>
               <a:ext uri="{91240B29-F687-4f45-9708-019B960494DF}">
-                <a14:hiddenLine xmlns="" xmlns:a14="http://schemas.microsoft.com/office/drawing/2010/main" w="9525">
+                <a14:hiddenLine xmlns:a14="http://schemas.microsoft.com/office/drawing/2010/main" xmlns="" w="9525">
                   <a:solidFill>
                     <a:srgbClr val="000000"/>
                   </a:solidFill>
@@ -1619,7 +1620,7 @@
             </a:ln>
             <a:extLst>
               <a:ext uri="{91240B29-F687-4f45-9708-019B960494DF}">
-                <a14:hiddenLine xmlns="" xmlns:a14="http://schemas.microsoft.com/office/drawing/2010/main" w="9525">
+                <a14:hiddenLine xmlns:a14="http://schemas.microsoft.com/office/drawing/2010/main" xmlns="" w="9525">
                   <a:solidFill>
                     <a:srgbClr val="000000"/>
                   </a:solidFill>
@@ -1709,7 +1710,7 @@
             </a:ln>
             <a:extLst>
               <a:ext uri="{91240B29-F687-4f45-9708-019B960494DF}">
-                <a14:hiddenLine xmlns="" xmlns:a14="http://schemas.microsoft.com/office/drawing/2010/main" w="9525">
+                <a14:hiddenLine xmlns:a14="http://schemas.microsoft.com/office/drawing/2010/main" xmlns="" w="9525">
                   <a:solidFill>
                     <a:srgbClr val="000000"/>
                   </a:solidFill>
@@ -1765,7 +1766,7 @@
             </a:ln>
             <a:extLst>
               <a:ext uri="{91240B29-F687-4f45-9708-019B960494DF}">
-                <a14:hiddenLine xmlns="" xmlns:a14="http://schemas.microsoft.com/office/drawing/2010/main" w="9525">
+                <a14:hiddenLine xmlns:a14="http://schemas.microsoft.com/office/drawing/2010/main" xmlns="" w="9525">
                   <a:solidFill>
                     <a:srgbClr val="000000"/>
                   </a:solidFill>
@@ -1855,7 +1856,7 @@
             </a:ln>
             <a:extLst>
               <a:ext uri="{91240B29-F687-4f45-9708-019B960494DF}">
-                <a14:hiddenLine xmlns="" xmlns:a14="http://schemas.microsoft.com/office/drawing/2010/main" w="9525">
+                <a14:hiddenLine xmlns:a14="http://schemas.microsoft.com/office/drawing/2010/main" xmlns="" w="9525">
                   <a:solidFill>
                     <a:srgbClr val="000000"/>
                   </a:solidFill>
@@ -1911,7 +1912,7 @@
             </a:ln>
             <a:extLst>
               <a:ext uri="{91240B29-F687-4f45-9708-019B960494DF}">
-                <a14:hiddenLine xmlns="" xmlns:a14="http://schemas.microsoft.com/office/drawing/2010/main" w="9525">
+                <a14:hiddenLine xmlns:a14="http://schemas.microsoft.com/office/drawing/2010/main" xmlns="" w="9525">
                   <a:solidFill>
                     <a:srgbClr val="000000"/>
                   </a:solidFill>
@@ -2001,7 +2002,7 @@
             </a:ln>
             <a:extLst>
               <a:ext uri="{91240B29-F687-4f45-9708-019B960494DF}">
-                <a14:hiddenLine xmlns="" xmlns:a14="http://schemas.microsoft.com/office/drawing/2010/main" w="9525">
+                <a14:hiddenLine xmlns:a14="http://schemas.microsoft.com/office/drawing/2010/main" xmlns="" w="9525">
                   <a:solidFill>
                     <a:srgbClr val="000000"/>
                   </a:solidFill>
@@ -2069,7 +2070,7 @@
             </a:ln>
             <a:extLst>
               <a:ext uri="{91240B29-F687-4f45-9708-019B960494DF}">
-                <a14:hiddenLine xmlns="" xmlns:a14="http://schemas.microsoft.com/office/drawing/2010/main" w="9525">
+                <a14:hiddenLine xmlns:a14="http://schemas.microsoft.com/office/drawing/2010/main" xmlns="" w="9525">
                   <a:solidFill>
                     <a:srgbClr val="000000"/>
                   </a:solidFill>
@@ -2159,7 +2160,7 @@
             </a:ln>
             <a:extLst>
               <a:ext uri="{91240B29-F687-4f45-9708-019B960494DF}">
-                <a14:hiddenLine xmlns="" xmlns:a14="http://schemas.microsoft.com/office/drawing/2010/main" w="9525">
+                <a14:hiddenLine xmlns:a14="http://schemas.microsoft.com/office/drawing/2010/main" xmlns="" w="9525">
                   <a:solidFill>
                     <a:srgbClr val="000000"/>
                   </a:solidFill>
@@ -2227,7 +2228,7 @@
             </a:ln>
             <a:extLst>
               <a:ext uri="{91240B29-F687-4f45-9708-019B960494DF}">
-                <a14:hiddenLine xmlns="" xmlns:a14="http://schemas.microsoft.com/office/drawing/2010/main" w="9525">
+                <a14:hiddenLine xmlns:a14="http://schemas.microsoft.com/office/drawing/2010/main" xmlns="" w="9525">
                   <a:solidFill>
                     <a:srgbClr val="000000"/>
                   </a:solidFill>
@@ -2317,7 +2318,7 @@
             </a:ln>
             <a:extLst>
               <a:ext uri="{91240B29-F687-4f45-9708-019B960494DF}">
-                <a14:hiddenLine xmlns="" xmlns:a14="http://schemas.microsoft.com/office/drawing/2010/main" w="9525">
+                <a14:hiddenLine xmlns:a14="http://schemas.microsoft.com/office/drawing/2010/main" xmlns="" w="9525">
                   <a:solidFill>
                     <a:srgbClr val="000000"/>
                   </a:solidFill>
@@ -2351,7 +2352,7 @@
             </a:ln>
             <a:extLst>
               <a:ext uri="{91240B29-F687-4f45-9708-019B960494DF}">
-                <a14:hiddenLine xmlns="" xmlns:a14="http://schemas.microsoft.com/office/drawing/2010/main" w="9525">
+                <a14:hiddenLine xmlns:a14="http://schemas.microsoft.com/office/drawing/2010/main" xmlns="" w="9525">
                   <a:solidFill>
                     <a:srgbClr val="000000"/>
                   </a:solidFill>
@@ -2441,7 +2442,7 @@
             </a:ln>
             <a:extLst>
               <a:ext uri="{91240B29-F687-4f45-9708-019B960494DF}">
-                <a14:hiddenLine xmlns="" xmlns:a14="http://schemas.microsoft.com/office/drawing/2010/main" w="9525">
+                <a14:hiddenLine xmlns:a14="http://schemas.microsoft.com/office/drawing/2010/main" xmlns="" w="9525">
                   <a:solidFill>
                     <a:srgbClr val="000000"/>
                   </a:solidFill>
@@ -2503,7 +2504,7 @@
             </a:ln>
             <a:extLst>
               <a:ext uri="{91240B29-F687-4f45-9708-019B960494DF}">
-                <a14:hiddenLine xmlns="" xmlns:a14="http://schemas.microsoft.com/office/drawing/2010/main" w="9525">
+                <a14:hiddenLine xmlns:a14="http://schemas.microsoft.com/office/drawing/2010/main" xmlns="" w="9525">
                   <a:solidFill>
                     <a:srgbClr val="000000"/>
                   </a:solidFill>
@@ -2565,7 +2566,7 @@
             </a:ln>
             <a:extLst>
               <a:ext uri="{91240B29-F687-4f45-9708-019B960494DF}">
-                <a14:hiddenLine xmlns="" xmlns:a14="http://schemas.microsoft.com/office/drawing/2010/main" w="9525">
+                <a14:hiddenLine xmlns:a14="http://schemas.microsoft.com/office/drawing/2010/main" xmlns="" w="9525">
                   <a:solidFill>
                     <a:srgbClr val="000000"/>
                   </a:solidFill>
@@ -2655,7 +2656,7 @@
             </a:ln>
             <a:extLst>
               <a:ext uri="{91240B29-F687-4f45-9708-019B960494DF}">
-                <a14:hiddenLine xmlns="" xmlns:a14="http://schemas.microsoft.com/office/drawing/2010/main" w="9525">
+                <a14:hiddenLine xmlns:a14="http://schemas.microsoft.com/office/drawing/2010/main" xmlns="" w="9525">
                   <a:solidFill>
                     <a:srgbClr val="000000"/>
                   </a:solidFill>
@@ -2723,7 +2724,7 @@
             </a:ln>
             <a:extLst>
               <a:ext uri="{91240B29-F687-4f45-9708-019B960494DF}">
-                <a14:hiddenLine xmlns="" xmlns:a14="http://schemas.microsoft.com/office/drawing/2010/main" w="9525">
+                <a14:hiddenLine xmlns:a14="http://schemas.microsoft.com/office/drawing/2010/main" xmlns="" w="9525">
                   <a:solidFill>
                     <a:srgbClr val="000000"/>
                   </a:solidFill>
@@ -2785,7 +2786,7 @@
             </a:ln>
             <a:extLst>
               <a:ext uri="{91240B29-F687-4f45-9708-019B960494DF}">
-                <a14:hiddenLine xmlns="" xmlns:a14="http://schemas.microsoft.com/office/drawing/2010/main" w="9525">
+                <a14:hiddenLine xmlns:a14="http://schemas.microsoft.com/office/drawing/2010/main" xmlns="" w="9525">
                   <a:solidFill>
                     <a:srgbClr val="000000"/>
                   </a:solidFill>
@@ -2875,7 +2876,7 @@
             </a:ln>
             <a:extLst>
               <a:ext uri="{91240B29-F687-4f45-9708-019B960494DF}">
-                <a14:hiddenLine xmlns="" xmlns:a14="http://schemas.microsoft.com/office/drawing/2010/main" w="9525">
+                <a14:hiddenLine xmlns:a14="http://schemas.microsoft.com/office/drawing/2010/main" xmlns="" w="9525">
                   <a:solidFill>
                     <a:srgbClr val="000000"/>
                   </a:solidFill>
@@ -2937,7 +2938,7 @@
             </a:ln>
             <a:extLst>
               <a:ext uri="{91240B29-F687-4f45-9708-019B960494DF}">
-                <a14:hiddenLine xmlns="" xmlns:a14="http://schemas.microsoft.com/office/drawing/2010/main" w="9525">
+                <a14:hiddenLine xmlns:a14="http://schemas.microsoft.com/office/drawing/2010/main" xmlns="" w="9525">
                   <a:solidFill>
                     <a:srgbClr val="000000"/>
                   </a:solidFill>
@@ -3027,7 +3028,7 @@
             </a:ln>
             <a:extLst>
               <a:ext uri="{91240B29-F687-4f45-9708-019B960494DF}">
-                <a14:hiddenLine xmlns="" xmlns:a14="http://schemas.microsoft.com/office/drawing/2010/main" w="9525">
+                <a14:hiddenLine xmlns:a14="http://schemas.microsoft.com/office/drawing/2010/main" xmlns="" w="9525">
                   <a:solidFill>
                     <a:srgbClr val="000000"/>
                   </a:solidFill>
@@ -3089,7 +3090,7 @@
             </a:ln>
             <a:extLst>
               <a:ext uri="{91240B29-F687-4f45-9708-019B960494DF}">
-                <a14:hiddenLine xmlns="" xmlns:a14="http://schemas.microsoft.com/office/drawing/2010/main" w="9525">
+                <a14:hiddenLine xmlns:a14="http://schemas.microsoft.com/office/drawing/2010/main" xmlns="" w="9525">
                   <a:solidFill>
                     <a:srgbClr val="000000"/>
                   </a:solidFill>
@@ -3179,7 +3180,7 @@
             </a:ln>
             <a:extLst>
               <a:ext uri="{91240B29-F687-4f45-9708-019B960494DF}">
-                <a14:hiddenLine xmlns="" xmlns:a14="http://schemas.microsoft.com/office/drawing/2010/main" w="9525">
+                <a14:hiddenLine xmlns:a14="http://schemas.microsoft.com/office/drawing/2010/main" xmlns="" w="9525">
                   <a:solidFill>
                     <a:srgbClr val="000000"/>
                   </a:solidFill>
@@ -3213,7 +3214,7 @@
             </a:ln>
             <a:extLst>
               <a:ext uri="{91240B29-F687-4f45-9708-019B960494DF}">
-                <a14:hiddenLine xmlns="" xmlns:a14="http://schemas.microsoft.com/office/drawing/2010/main" w="9525">
+                <a14:hiddenLine xmlns:a14="http://schemas.microsoft.com/office/drawing/2010/main" xmlns="" w="9525">
                   <a:solidFill>
                     <a:srgbClr val="000000"/>
                   </a:solidFill>
@@ -3278,7 +3279,7 @@
             </a:ln>
             <a:extLst>
               <a:ext uri="{91240B29-F687-4f45-9708-019B960494DF}">
-                <a14:hiddenLine xmlns="" xmlns:a14="http://schemas.microsoft.com/office/drawing/2010/main" w="9525">
+                <a14:hiddenLine xmlns:a14="http://schemas.microsoft.com/office/drawing/2010/main" xmlns="" w="9525">
                   <a:solidFill>
                     <a:srgbClr val="000000"/>
                   </a:solidFill>
@@ -3368,7 +3369,7 @@
             </a:ln>
             <a:extLst>
               <a:ext uri="{91240B29-F687-4f45-9708-019B960494DF}">
-                <a14:hiddenLine xmlns="" xmlns:a14="http://schemas.microsoft.com/office/drawing/2010/main" w="9525">
+                <a14:hiddenLine xmlns:a14="http://schemas.microsoft.com/office/drawing/2010/main" xmlns="" w="9525">
                   <a:solidFill>
                     <a:srgbClr val="000000"/>
                   </a:solidFill>
@@ -3430,7 +3431,7 @@
             </a:ln>
             <a:extLst>
               <a:ext uri="{91240B29-F687-4f45-9708-019B960494DF}">
-                <a14:hiddenLine xmlns="" xmlns:a14="http://schemas.microsoft.com/office/drawing/2010/main" w="9525">
+                <a14:hiddenLine xmlns:a14="http://schemas.microsoft.com/office/drawing/2010/main" xmlns="" w="9525">
                   <a:solidFill>
                     <a:srgbClr val="000000"/>
                   </a:solidFill>
@@ -3520,7 +3521,7 @@
             </a:ln>
             <a:extLst>
               <a:ext uri="{91240B29-F687-4f45-9708-019B960494DF}">
-                <a14:hiddenLine xmlns="" xmlns:a14="http://schemas.microsoft.com/office/drawing/2010/main" w="9525">
+                <a14:hiddenLine xmlns:a14="http://schemas.microsoft.com/office/drawing/2010/main" xmlns="" w="9525">
                   <a:solidFill>
                     <a:srgbClr val="000000"/>
                   </a:solidFill>
@@ -3610,7 +3611,7 @@
             </a:ln>
             <a:extLst>
               <a:ext uri="{91240B29-F687-4f45-9708-019B960494DF}">
-                <a14:hiddenLine xmlns="" xmlns:a14="http://schemas.microsoft.com/office/drawing/2010/main" w="9525">
+                <a14:hiddenLine xmlns:a14="http://schemas.microsoft.com/office/drawing/2010/main" xmlns="" w="9525">
                   <a:solidFill>
                     <a:srgbClr val="000000"/>
                   </a:solidFill>
@@ -3675,7 +3676,7 @@
             </a:ln>
             <a:extLst>
               <a:ext uri="{91240B29-F687-4f45-9708-019B960494DF}">
-                <a14:hiddenLine xmlns="" xmlns:a14="http://schemas.microsoft.com/office/drawing/2010/main" w="9525">
+                <a14:hiddenLine xmlns:a14="http://schemas.microsoft.com/office/drawing/2010/main" xmlns="" w="9525">
                   <a:solidFill>
                     <a:srgbClr val="000000"/>
                   </a:solidFill>
@@ -3737,7 +3738,7 @@
             </a:ln>
             <a:extLst>
               <a:ext uri="{91240B29-F687-4f45-9708-019B960494DF}">
-                <a14:hiddenLine xmlns="" xmlns:a14="http://schemas.microsoft.com/office/drawing/2010/main" w="9525">
+                <a14:hiddenLine xmlns:a14="http://schemas.microsoft.com/office/drawing/2010/main" xmlns="" w="9525">
                   <a:solidFill>
                     <a:srgbClr val="000000"/>
                   </a:solidFill>
@@ -3827,7 +3828,7 @@
             </a:ln>
             <a:extLst>
               <a:ext uri="{91240B29-F687-4f45-9708-019B960494DF}">
-                <a14:hiddenLine xmlns="" xmlns:a14="http://schemas.microsoft.com/office/drawing/2010/main" w="9525">
+                <a14:hiddenLine xmlns:a14="http://schemas.microsoft.com/office/drawing/2010/main" xmlns="" w="9525">
                   <a:solidFill>
                     <a:srgbClr val="000000"/>
                   </a:solidFill>
@@ -3917,7 +3918,7 @@
             </a:ln>
             <a:extLst>
               <a:ext uri="{91240B29-F687-4f45-9708-019B960494DF}">
-                <a14:hiddenLine xmlns="" xmlns:a14="http://schemas.microsoft.com/office/drawing/2010/main" w="9525">
+                <a14:hiddenLine xmlns:a14="http://schemas.microsoft.com/office/drawing/2010/main" xmlns="" w="9525">
                   <a:solidFill>
                     <a:srgbClr val="000000"/>
                   </a:solidFill>
@@ -3979,7 +3980,7 @@
             </a:ln>
             <a:extLst>
               <a:ext uri="{91240B29-F687-4f45-9708-019B960494DF}">
-                <a14:hiddenLine xmlns="" xmlns:a14="http://schemas.microsoft.com/office/drawing/2010/main" w="9525">
+                <a14:hiddenLine xmlns:a14="http://schemas.microsoft.com/office/drawing/2010/main" xmlns="" w="9525">
                   <a:solidFill>
                     <a:srgbClr val="000000"/>
                   </a:solidFill>
@@ -4099,7 +4100,7 @@
             </a:ln>
             <a:extLst>
               <a:ext uri="{91240B29-F687-4f45-9708-019B960494DF}">
-                <a14:hiddenLine xmlns="" xmlns:a14="http://schemas.microsoft.com/office/drawing/2010/main" w="9525">
+                <a14:hiddenLine xmlns:a14="http://schemas.microsoft.com/office/drawing/2010/main" xmlns="" w="9525">
                   <a:solidFill>
                     <a:srgbClr val="000000"/>
                   </a:solidFill>
@@ -4167,7 +4168,7 @@
             </a:ln>
             <a:extLst>
               <a:ext uri="{91240B29-F687-4f45-9708-019B960494DF}">
-                <a14:hiddenLine xmlns="" xmlns:a14="http://schemas.microsoft.com/office/drawing/2010/main" w="9525">
+                <a14:hiddenLine xmlns:a14="http://schemas.microsoft.com/office/drawing/2010/main" xmlns="" w="9525">
                   <a:solidFill>
                     <a:srgbClr val="000000"/>
                   </a:solidFill>
@@ -4257,7 +4258,7 @@
             </a:ln>
             <a:extLst>
               <a:ext uri="{91240B29-F687-4f45-9708-019B960494DF}">
-                <a14:hiddenLine xmlns="" xmlns:a14="http://schemas.microsoft.com/office/drawing/2010/main" w="9525">
+                <a14:hiddenLine xmlns:a14="http://schemas.microsoft.com/office/drawing/2010/main" xmlns="" w="9525">
                   <a:solidFill>
                     <a:srgbClr val="000000"/>
                   </a:solidFill>
@@ -4397,7 +4398,7 @@
           <a:p>
             <a:fld id="{48A87A34-81AB-432B-8DAE-1953F412C126}" type="datetimeFigureOut">
               <a:rPr lang="en-US" dirty="0"/>
-              <a:t>2/27/2019</a:t>
+              <a:t>3/2/2019</a:t>
             </a:fld>
             <a:endParaRPr lang="en-US" dirty="0"/>
           </a:p>
@@ -4659,7 +4660,7 @@
           <a:p>
             <a:fld id="{48A87A34-81AB-432B-8DAE-1953F412C126}" type="datetimeFigureOut">
               <a:rPr lang="en-US" dirty="0"/>
-              <a:t>2/27/2019</a:t>
+              <a:t>3/2/2019</a:t>
             </a:fld>
             <a:endParaRPr lang="en-US" dirty="0"/>
           </a:p>
@@ -4850,7 +4851,7 @@
           <a:p>
             <a:fld id="{48A87A34-81AB-432B-8DAE-1953F412C126}" type="datetimeFigureOut">
               <a:rPr lang="en-US" dirty="0"/>
-              <a:t>2/27/2019</a:t>
+              <a:t>3/2/2019</a:t>
             </a:fld>
             <a:endParaRPr lang="en-US" dirty="0"/>
           </a:p>
@@ -5108,7 +5109,7 @@
           <a:p>
             <a:fld id="{48A87A34-81AB-432B-8DAE-1953F412C126}" type="datetimeFigureOut">
               <a:rPr lang="en-US" dirty="0"/>
-              <a:t>2/27/2019</a:t>
+              <a:t>3/2/2019</a:t>
             </a:fld>
             <a:endParaRPr lang="en-US" dirty="0"/>
           </a:p>
@@ -5537,7 +5538,7 @@
           <a:p>
             <a:fld id="{48A87A34-81AB-432B-8DAE-1953F412C126}" type="datetimeFigureOut">
               <a:rPr lang="en-US" dirty="0"/>
-              <a:t>2/27/2019</a:t>
+              <a:t>3/2/2019</a:t>
             </a:fld>
             <a:endParaRPr lang="en-US" dirty="0"/>
           </a:p>
@@ -6078,7 +6079,7 @@
           <a:p>
             <a:fld id="{48A87A34-81AB-432B-8DAE-1953F412C126}" type="datetimeFigureOut">
               <a:rPr lang="en-US" dirty="0"/>
-              <a:t>2/27/2019</a:t>
+              <a:t>3/2/2019</a:t>
             </a:fld>
             <a:endParaRPr lang="en-US" dirty="0"/>
           </a:p>
@@ -6793,7 +6794,7 @@
           <a:p>
             <a:fld id="{48A87A34-81AB-432B-8DAE-1953F412C126}" type="datetimeFigureOut">
               <a:rPr lang="en-US" dirty="0"/>
-              <a:t>2/27/2019</a:t>
+              <a:t>3/2/2019</a:t>
             </a:fld>
             <a:endParaRPr lang="en-US" dirty="0"/>
           </a:p>
@@ -6958,7 +6959,7 @@
           <a:p>
             <a:fld id="{48A87A34-81AB-432B-8DAE-1953F412C126}" type="datetimeFigureOut">
               <a:rPr lang="en-US" dirty="0"/>
-              <a:t>2/27/2019</a:t>
+              <a:t>3/2/2019</a:t>
             </a:fld>
             <a:endParaRPr lang="en-US" dirty="0"/>
           </a:p>
@@ -7133,7 +7134,7 @@
           <a:p>
             <a:fld id="{48A87A34-81AB-432B-8DAE-1953F412C126}" type="datetimeFigureOut">
               <a:rPr lang="en-US" dirty="0"/>
-              <a:t>2/27/2019</a:t>
+              <a:t>3/2/2019</a:t>
             </a:fld>
             <a:endParaRPr lang="en-US" dirty="0"/>
           </a:p>
@@ -7298,7 +7299,7 @@
           <a:p>
             <a:fld id="{48A87A34-81AB-432B-8DAE-1953F412C126}" type="datetimeFigureOut">
               <a:rPr lang="en-US" dirty="0"/>
-              <a:t>2/27/2019</a:t>
+              <a:t>3/2/2019</a:t>
             </a:fld>
             <a:endParaRPr lang="en-US" dirty="0"/>
           </a:p>
@@ -7543,7 +7544,7 @@
           <a:p>
             <a:fld id="{48A87A34-81AB-432B-8DAE-1953F412C126}" type="datetimeFigureOut">
               <a:rPr lang="en-US" dirty="0"/>
-              <a:t>2/27/2019</a:t>
+              <a:t>3/2/2019</a:t>
             </a:fld>
             <a:endParaRPr lang="en-US" dirty="0"/>
           </a:p>
@@ -7770,7 +7771,7 @@
           <a:p>
             <a:fld id="{48A87A34-81AB-432B-8DAE-1953F412C126}" type="datetimeFigureOut">
               <a:rPr lang="en-US" dirty="0"/>
-              <a:t>2/27/2019</a:t>
+              <a:t>3/2/2019</a:t>
             </a:fld>
             <a:endParaRPr lang="en-US" dirty="0"/>
           </a:p>
@@ -8146,7 +8147,7 @@
           <a:p>
             <a:fld id="{48A87A34-81AB-432B-8DAE-1953F412C126}" type="datetimeFigureOut">
               <a:rPr lang="en-US" dirty="0"/>
-              <a:t>2/27/2019</a:t>
+              <a:t>3/2/2019</a:t>
             </a:fld>
             <a:endParaRPr lang="en-US" dirty="0"/>
           </a:p>
@@ -8259,7 +8260,7 @@
           <a:p>
             <a:fld id="{48A87A34-81AB-432B-8DAE-1953F412C126}" type="datetimeFigureOut">
               <a:rPr lang="en-US" dirty="0"/>
-              <a:t>2/27/2019</a:t>
+              <a:t>3/2/2019</a:t>
             </a:fld>
             <a:endParaRPr lang="en-US" dirty="0"/>
           </a:p>
@@ -8349,7 +8350,7 @@
           <a:p>
             <a:fld id="{48A87A34-81AB-432B-8DAE-1953F412C126}" type="datetimeFigureOut">
               <a:rPr lang="en-US" dirty="0"/>
-              <a:t>2/27/2019</a:t>
+              <a:t>3/2/2019</a:t>
             </a:fld>
             <a:endParaRPr lang="en-US" dirty="0"/>
           </a:p>
@@ -8593,7 +8594,7 @@
           <a:p>
             <a:fld id="{48A87A34-81AB-432B-8DAE-1953F412C126}" type="datetimeFigureOut">
               <a:rPr lang="en-US" dirty="0"/>
-              <a:t>2/27/2019</a:t>
+              <a:t>3/2/2019</a:t>
             </a:fld>
             <a:endParaRPr lang="en-US" dirty="0"/>
           </a:p>
@@ -8868,7 +8869,7 @@
           <a:p>
             <a:fld id="{48A87A34-81AB-432B-8DAE-1953F412C126}" type="datetimeFigureOut">
               <a:rPr lang="en-US" dirty="0"/>
-              <a:t>2/27/2019</a:t>
+              <a:t>3/2/2019</a:t>
             </a:fld>
             <a:endParaRPr lang="en-US" dirty="0"/>
           </a:p>
@@ -8979,7 +8980,7 @@
           <a:noFill/>
           <a:extLst>
             <a:ext uri="{909E8E84-426E-40dd-AFC4-6F175D3DCCD1}">
-              <a14:hiddenFill xmlns="" xmlns:a14="http://schemas.microsoft.com/office/drawing/2010/main">
+              <a14:hiddenFill xmlns:a14="http://schemas.microsoft.com/office/drawing/2010/main" xmlns="">
                 <a:solidFill>
                   <a:srgbClr val="FFFFFF"/>
                 </a:solidFill>
@@ -9053,7 +9054,7 @@
               </a:ln>
               <a:extLst>
                 <a:ext uri="{91240B29-F687-4f45-9708-019B960494DF}">
-                  <a14:hiddenLine xmlns="" xmlns:a14="http://schemas.microsoft.com/office/drawing/2010/main" w="9525">
+                  <a14:hiddenLine xmlns:a14="http://schemas.microsoft.com/office/drawing/2010/main" xmlns="" w="9525">
                     <a:solidFill>
                       <a:srgbClr val="000000"/>
                     </a:solidFill>
@@ -9143,7 +9144,7 @@
               </a:ln>
               <a:extLst>
                 <a:ext uri="{91240B29-F687-4f45-9708-019B960494DF}">
-                  <a14:hiddenLine xmlns="" xmlns:a14="http://schemas.microsoft.com/office/drawing/2010/main" w="9525">
+                  <a14:hiddenLine xmlns:a14="http://schemas.microsoft.com/office/drawing/2010/main" xmlns="" w="9525">
                     <a:solidFill>
                       <a:srgbClr val="000000"/>
                     </a:solidFill>
@@ -9233,7 +9234,7 @@
               </a:ln>
               <a:extLst>
                 <a:ext uri="{91240B29-F687-4f45-9708-019B960494DF}">
-                  <a14:hiddenLine xmlns="" xmlns:a14="http://schemas.microsoft.com/office/drawing/2010/main" w="9525">
+                  <a14:hiddenLine xmlns:a14="http://schemas.microsoft.com/office/drawing/2010/main" xmlns="" w="9525">
                     <a:solidFill>
                       <a:srgbClr val="000000"/>
                     </a:solidFill>
@@ -9295,7 +9296,7 @@
               </a:ln>
               <a:extLst>
                 <a:ext uri="{91240B29-F687-4f45-9708-019B960494DF}">
-                  <a14:hiddenLine xmlns="" xmlns:a14="http://schemas.microsoft.com/office/drawing/2010/main" w="9525">
+                  <a14:hiddenLine xmlns:a14="http://schemas.microsoft.com/office/drawing/2010/main" xmlns="" w="9525">
                     <a:solidFill>
                       <a:srgbClr val="000000"/>
                     </a:solidFill>
@@ -9385,7 +9386,7 @@
               </a:ln>
               <a:extLst>
                 <a:ext uri="{91240B29-F687-4f45-9708-019B960494DF}">
-                  <a14:hiddenLine xmlns="" xmlns:a14="http://schemas.microsoft.com/office/drawing/2010/main" w="9525">
+                  <a14:hiddenLine xmlns:a14="http://schemas.microsoft.com/office/drawing/2010/main" xmlns="" w="9525">
                     <a:solidFill>
                       <a:srgbClr val="000000"/>
                     </a:solidFill>
@@ -9447,7 +9448,7 @@
               </a:ln>
               <a:extLst>
                 <a:ext uri="{91240B29-F687-4f45-9708-019B960494DF}">
-                  <a14:hiddenLine xmlns="" xmlns:a14="http://schemas.microsoft.com/office/drawing/2010/main" w="9525">
+                  <a14:hiddenLine xmlns:a14="http://schemas.microsoft.com/office/drawing/2010/main" xmlns="" w="9525">
                     <a:solidFill>
                       <a:srgbClr val="000000"/>
                     </a:solidFill>
@@ -9509,7 +9510,7 @@
               </a:ln>
               <a:extLst>
                 <a:ext uri="{91240B29-F687-4f45-9708-019B960494DF}">
-                  <a14:hiddenLine xmlns="" xmlns:a14="http://schemas.microsoft.com/office/drawing/2010/main" w="9525">
+                  <a14:hiddenLine xmlns:a14="http://schemas.microsoft.com/office/drawing/2010/main" xmlns="" w="9525">
                     <a:solidFill>
                       <a:srgbClr val="000000"/>
                     </a:solidFill>
@@ -9599,7 +9600,7 @@
               </a:ln>
               <a:extLst>
                 <a:ext uri="{91240B29-F687-4f45-9708-019B960494DF}">
-                  <a14:hiddenLine xmlns="" xmlns:a14="http://schemas.microsoft.com/office/drawing/2010/main" w="9525">
+                  <a14:hiddenLine xmlns:a14="http://schemas.microsoft.com/office/drawing/2010/main" xmlns="" w="9525">
                     <a:solidFill>
                       <a:srgbClr val="000000"/>
                     </a:solidFill>
@@ -9689,7 +9690,7 @@
               </a:ln>
               <a:extLst>
                 <a:ext uri="{91240B29-F687-4f45-9708-019B960494DF}">
-                  <a14:hiddenLine xmlns="" xmlns:a14="http://schemas.microsoft.com/office/drawing/2010/main" w="9525">
+                  <a14:hiddenLine xmlns:a14="http://schemas.microsoft.com/office/drawing/2010/main" xmlns="" w="9525">
                     <a:solidFill>
                       <a:srgbClr val="000000"/>
                     </a:solidFill>
@@ -9751,7 +9752,7 @@
               </a:ln>
               <a:extLst>
                 <a:ext uri="{91240B29-F687-4f45-9708-019B960494DF}">
-                  <a14:hiddenLine xmlns="" xmlns:a14="http://schemas.microsoft.com/office/drawing/2010/main" w="9525">
+                  <a14:hiddenLine xmlns:a14="http://schemas.microsoft.com/office/drawing/2010/main" xmlns="" w="9525">
                     <a:solidFill>
                       <a:srgbClr val="000000"/>
                     </a:solidFill>
@@ -9861,7 +9862,7 @@
               </a:ln>
               <a:extLst>
                 <a:ext uri="{91240B29-F687-4f45-9708-019B960494DF}">
-                  <a14:hiddenLine xmlns="" xmlns:a14="http://schemas.microsoft.com/office/drawing/2010/main" w="9525">
+                  <a14:hiddenLine xmlns:a14="http://schemas.microsoft.com/office/drawing/2010/main" xmlns="" w="9525">
                     <a:solidFill>
                       <a:srgbClr val="000000"/>
                     </a:solidFill>
@@ -9945,7 +9946,7 @@
               </a:ln>
               <a:extLst>
                 <a:ext uri="{91240B29-F687-4f45-9708-019B960494DF}">
-                  <a14:hiddenLine xmlns="" xmlns:a14="http://schemas.microsoft.com/office/drawing/2010/main" w="9525">
+                  <a14:hiddenLine xmlns:a14="http://schemas.microsoft.com/office/drawing/2010/main" xmlns="" w="9525">
                     <a:solidFill>
                       <a:srgbClr val="000000"/>
                     </a:solidFill>
@@ -10007,7 +10008,7 @@
               </a:ln>
               <a:extLst>
                 <a:ext uri="{91240B29-F687-4f45-9708-019B960494DF}">
-                  <a14:hiddenLine xmlns="" xmlns:a14="http://schemas.microsoft.com/office/drawing/2010/main" w="9525">
+                  <a14:hiddenLine xmlns:a14="http://schemas.microsoft.com/office/drawing/2010/main" xmlns="" w="9525">
                     <a:solidFill>
                       <a:srgbClr val="000000"/>
                     </a:solidFill>
@@ -10069,7 +10070,7 @@
               </a:ln>
               <a:extLst>
                 <a:ext uri="{91240B29-F687-4f45-9708-019B960494DF}">
-                  <a14:hiddenLine xmlns="" xmlns:a14="http://schemas.microsoft.com/office/drawing/2010/main" w="9525">
+                  <a14:hiddenLine xmlns:a14="http://schemas.microsoft.com/office/drawing/2010/main" xmlns="" w="9525">
                     <a:solidFill>
                       <a:srgbClr val="000000"/>
                     </a:solidFill>
@@ -10159,7 +10160,7 @@
               </a:ln>
               <a:extLst>
                 <a:ext uri="{91240B29-F687-4f45-9708-019B960494DF}">
-                  <a14:hiddenLine xmlns="" xmlns:a14="http://schemas.microsoft.com/office/drawing/2010/main" w="9525">
+                  <a14:hiddenLine xmlns:a14="http://schemas.microsoft.com/office/drawing/2010/main" xmlns="" w="9525">
                     <a:solidFill>
                       <a:srgbClr val="000000"/>
                     </a:solidFill>
@@ -10193,7 +10194,7 @@
               </a:ln>
               <a:extLst>
                 <a:ext uri="{91240B29-F687-4f45-9708-019B960494DF}">
-                  <a14:hiddenLine xmlns="" xmlns:a14="http://schemas.microsoft.com/office/drawing/2010/main" w="9525">
+                  <a14:hiddenLine xmlns:a14="http://schemas.microsoft.com/office/drawing/2010/main" xmlns="" w="9525">
                     <a:solidFill>
                       <a:srgbClr val="000000"/>
                     </a:solidFill>
@@ -10258,7 +10259,7 @@
               </a:ln>
               <a:extLst>
                 <a:ext uri="{91240B29-F687-4f45-9708-019B960494DF}">
-                  <a14:hiddenLine xmlns="" xmlns:a14="http://schemas.microsoft.com/office/drawing/2010/main" w="9525">
+                  <a14:hiddenLine xmlns:a14="http://schemas.microsoft.com/office/drawing/2010/main" xmlns="" w="9525">
                     <a:solidFill>
                       <a:srgbClr val="000000"/>
                     </a:solidFill>
@@ -10348,7 +10349,7 @@
               </a:ln>
               <a:extLst>
                 <a:ext uri="{91240B29-F687-4f45-9708-019B960494DF}">
-                  <a14:hiddenLine xmlns="" xmlns:a14="http://schemas.microsoft.com/office/drawing/2010/main" w="9525">
+                  <a14:hiddenLine xmlns:a14="http://schemas.microsoft.com/office/drawing/2010/main" xmlns="" w="9525">
                     <a:solidFill>
                       <a:srgbClr val="000000"/>
                     </a:solidFill>
@@ -10410,7 +10411,7 @@
               </a:ln>
               <a:extLst>
                 <a:ext uri="{91240B29-F687-4f45-9708-019B960494DF}">
-                  <a14:hiddenLine xmlns="" xmlns:a14="http://schemas.microsoft.com/office/drawing/2010/main" w="9525">
+                  <a14:hiddenLine xmlns:a14="http://schemas.microsoft.com/office/drawing/2010/main" xmlns="" w="9525">
                     <a:solidFill>
                       <a:srgbClr val="000000"/>
                     </a:solidFill>
@@ -10500,7 +10501,7 @@
               </a:ln>
               <a:extLst>
                 <a:ext uri="{91240B29-F687-4f45-9708-019B960494DF}">
-                  <a14:hiddenLine xmlns="" xmlns:a14="http://schemas.microsoft.com/office/drawing/2010/main" w="9525">
+                  <a14:hiddenLine xmlns:a14="http://schemas.microsoft.com/office/drawing/2010/main" xmlns="" w="9525">
                     <a:solidFill>
                       <a:srgbClr val="000000"/>
                     </a:solidFill>
@@ -10565,7 +10566,7 @@
               </a:ln>
               <a:extLst>
                 <a:ext uri="{91240B29-F687-4f45-9708-019B960494DF}">
-                  <a14:hiddenLine xmlns="" xmlns:a14="http://schemas.microsoft.com/office/drawing/2010/main" w="9525">
+                  <a14:hiddenLine xmlns:a14="http://schemas.microsoft.com/office/drawing/2010/main" xmlns="" w="9525">
                     <a:solidFill>
                       <a:srgbClr val="000000"/>
                     </a:solidFill>
@@ -10627,7 +10628,7 @@
               </a:ln>
               <a:extLst>
                 <a:ext uri="{91240B29-F687-4f45-9708-019B960494DF}">
-                  <a14:hiddenLine xmlns="" xmlns:a14="http://schemas.microsoft.com/office/drawing/2010/main" w="9525">
+                  <a14:hiddenLine xmlns:a14="http://schemas.microsoft.com/office/drawing/2010/main" xmlns="" w="9525">
                     <a:solidFill>
                       <a:srgbClr val="000000"/>
                     </a:solidFill>
@@ -10717,7 +10718,7 @@
               </a:ln>
               <a:extLst>
                 <a:ext uri="{91240B29-F687-4f45-9708-019B960494DF}">
-                  <a14:hiddenLine xmlns="" xmlns:a14="http://schemas.microsoft.com/office/drawing/2010/main" w="9525">
+                  <a14:hiddenLine xmlns:a14="http://schemas.microsoft.com/office/drawing/2010/main" xmlns="" w="9525">
                     <a:solidFill>
                       <a:srgbClr val="000000"/>
                     </a:solidFill>
@@ -10807,7 +10808,7 @@
               </a:ln>
               <a:extLst>
                 <a:ext uri="{91240B29-F687-4f45-9708-019B960494DF}">
-                  <a14:hiddenLine xmlns="" xmlns:a14="http://schemas.microsoft.com/office/drawing/2010/main" w="9525">
+                  <a14:hiddenLine xmlns:a14="http://schemas.microsoft.com/office/drawing/2010/main" xmlns="" w="9525">
                     <a:solidFill>
                       <a:srgbClr val="000000"/>
                     </a:solidFill>
@@ -10872,7 +10873,7 @@
               </a:ln>
               <a:extLst>
                 <a:ext uri="{91240B29-F687-4f45-9708-019B960494DF}">
-                  <a14:hiddenLine xmlns="" xmlns:a14="http://schemas.microsoft.com/office/drawing/2010/main" w="9525">
+                  <a14:hiddenLine xmlns:a14="http://schemas.microsoft.com/office/drawing/2010/main" xmlns="" w="9525">
                     <a:solidFill>
                       <a:srgbClr val="000000"/>
                     </a:solidFill>
@@ -10992,7 +10993,7 @@
               </a:ln>
               <a:extLst>
                 <a:ext uri="{91240B29-F687-4f45-9708-019B960494DF}">
-                  <a14:hiddenLine xmlns="" xmlns:a14="http://schemas.microsoft.com/office/drawing/2010/main" w="9525">
+                  <a14:hiddenLine xmlns:a14="http://schemas.microsoft.com/office/drawing/2010/main" xmlns="" w="9525">
                     <a:solidFill>
                       <a:srgbClr val="000000"/>
                     </a:solidFill>
@@ -11090,7 +11091,7 @@
               </a:ln>
               <a:extLst>
                 <a:ext uri="{91240B29-F687-4f45-9708-019B960494DF}">
-                  <a14:hiddenLine xmlns="" xmlns:a14="http://schemas.microsoft.com/office/drawing/2010/main" w="9525">
+                  <a14:hiddenLine xmlns:a14="http://schemas.microsoft.com/office/drawing/2010/main" xmlns="" w="9525">
                     <a:solidFill>
                       <a:srgbClr val="000000"/>
                     </a:solidFill>
@@ -11205,7 +11206,7 @@
               </a:ln>
               <a:extLst>
                 <a:ext uri="{91240B29-F687-4f45-9708-019B960494DF}">
-                  <a14:hiddenLine xmlns="" xmlns:a14="http://schemas.microsoft.com/office/drawing/2010/main" w="9525">
+                  <a14:hiddenLine xmlns:a14="http://schemas.microsoft.com/office/drawing/2010/main" xmlns="" w="9525">
                     <a:solidFill>
                       <a:srgbClr val="000000"/>
                     </a:solidFill>
@@ -11295,7 +11296,7 @@
               </a:ln>
               <a:extLst>
                 <a:ext uri="{91240B29-F687-4f45-9708-019B960494DF}">
-                  <a14:hiddenLine xmlns="" xmlns:a14="http://schemas.microsoft.com/office/drawing/2010/main" w="9525">
+                  <a14:hiddenLine xmlns:a14="http://schemas.microsoft.com/office/drawing/2010/main" xmlns="" w="9525">
                     <a:solidFill>
                       <a:srgbClr val="000000"/>
                     </a:solidFill>
@@ -11360,7 +11361,7 @@
               </a:ln>
               <a:extLst>
                 <a:ext uri="{91240B29-F687-4f45-9708-019B960494DF}">
-                  <a14:hiddenLine xmlns="" xmlns:a14="http://schemas.microsoft.com/office/drawing/2010/main" w="9525">
+                  <a14:hiddenLine xmlns:a14="http://schemas.microsoft.com/office/drawing/2010/main" xmlns="" w="9525">
                     <a:solidFill>
                       <a:srgbClr val="000000"/>
                     </a:solidFill>
@@ -11450,7 +11451,7 @@
               </a:ln>
               <a:extLst>
                 <a:ext uri="{91240B29-F687-4f45-9708-019B960494DF}">
-                  <a14:hiddenLine xmlns="" xmlns:a14="http://schemas.microsoft.com/office/drawing/2010/main" w="9525">
+                  <a14:hiddenLine xmlns:a14="http://schemas.microsoft.com/office/drawing/2010/main" xmlns="" w="9525">
                     <a:solidFill>
                       <a:srgbClr val="000000"/>
                     </a:solidFill>
@@ -11518,7 +11519,7 @@
               </a:ln>
               <a:extLst>
                 <a:ext uri="{91240B29-F687-4f45-9708-019B960494DF}">
-                  <a14:hiddenLine xmlns="" xmlns:a14="http://schemas.microsoft.com/office/drawing/2010/main" w="9525">
+                  <a14:hiddenLine xmlns:a14="http://schemas.microsoft.com/office/drawing/2010/main" xmlns="" w="9525">
                     <a:solidFill>
                       <a:srgbClr val="000000"/>
                     </a:solidFill>
@@ -11608,7 +11609,7 @@
               </a:ln>
               <a:extLst>
                 <a:ext uri="{91240B29-F687-4f45-9708-019B960494DF}">
-                  <a14:hiddenLine xmlns="" xmlns:a14="http://schemas.microsoft.com/office/drawing/2010/main" w="9525">
+                  <a14:hiddenLine xmlns:a14="http://schemas.microsoft.com/office/drawing/2010/main" xmlns="" w="9525">
                     <a:solidFill>
                       <a:srgbClr val="000000"/>
                     </a:solidFill>
@@ -11676,7 +11677,7 @@
               </a:ln>
               <a:extLst>
                 <a:ext uri="{91240B29-F687-4f45-9708-019B960494DF}">
-                  <a14:hiddenLine xmlns="" xmlns:a14="http://schemas.microsoft.com/office/drawing/2010/main" w="9525">
+                  <a14:hiddenLine xmlns:a14="http://schemas.microsoft.com/office/drawing/2010/main" xmlns="" w="9525">
                     <a:solidFill>
                       <a:srgbClr val="000000"/>
                     </a:solidFill>
@@ -11766,7 +11767,7 @@
               </a:ln>
               <a:extLst>
                 <a:ext uri="{91240B29-F687-4f45-9708-019B960494DF}">
-                  <a14:hiddenLine xmlns="" xmlns:a14="http://schemas.microsoft.com/office/drawing/2010/main" w="9525">
+                  <a14:hiddenLine xmlns:a14="http://schemas.microsoft.com/office/drawing/2010/main" xmlns="" w="9525">
                     <a:solidFill>
                       <a:srgbClr val="000000"/>
                     </a:solidFill>
@@ -11800,7 +11801,7 @@
               </a:ln>
               <a:extLst>
                 <a:ext uri="{91240B29-F687-4f45-9708-019B960494DF}">
-                  <a14:hiddenLine xmlns="" xmlns:a14="http://schemas.microsoft.com/office/drawing/2010/main" w="9525">
+                  <a14:hiddenLine xmlns:a14="http://schemas.microsoft.com/office/drawing/2010/main" xmlns="" w="9525">
                     <a:solidFill>
                       <a:srgbClr val="000000"/>
                     </a:solidFill>
@@ -11941,7 +11942,7 @@
             <a:fld id="{48A87A34-81AB-432B-8DAE-1953F412C126}" type="datetimeFigureOut">
               <a:rPr lang="en-US" dirty="0"/>
               <a:pPr/>
-              <a:t>2/27/2019</a:t>
+              <a:t>3/2/2019</a:t>
             </a:fld>
             <a:endParaRPr lang="en-US" dirty="0"/>
           </a:p>
@@ -12463,6 +12464,86 @@
           <a:p>
             <a:r>
               <a:rPr lang="ru-RU" dirty="0"/>
+              <a:t>СКРИНШОТЫ</a:t>
+            </a:r>
+          </a:p>
+        </p:txBody>
+      </p:sp>
+      <p:pic>
+        <p:nvPicPr>
+          <p:cNvPr id="4" name="Рисунок 3">
+            <a:extLst>
+              <a:ext uri="{FF2B5EF4-FFF2-40B4-BE49-F238E27FC236}">
+                <a16:creationId xmlns:a16="http://schemas.microsoft.com/office/drawing/2014/main" id="{B31BA68A-E979-471F-B1C5-D160242AEAAC}"/>
+              </a:ext>
+            </a:extLst>
+          </p:cNvPr>
+          <p:cNvPicPr/>
+          <p:nvPr/>
+        </p:nvPicPr>
+        <p:blipFill>
+          <a:blip r:embed="rId2"/>
+          <a:stretch>
+            <a:fillRect/>
+          </a:stretch>
+        </p:blipFill>
+        <p:spPr>
+          <a:xfrm>
+            <a:off x="3124199" y="1917037"/>
+            <a:ext cx="5940425" cy="4233545"/>
+          </a:xfrm>
+          <a:prstGeom prst="rect">
+            <a:avLst/>
+          </a:prstGeom>
+        </p:spPr>
+      </p:pic>
+    </p:spTree>
+    <p:extLst>
+      <p:ext uri="{BB962C8B-B14F-4D97-AF65-F5344CB8AC3E}">
+        <p14:creationId xmlns:p14="http://schemas.microsoft.com/office/powerpoint/2010/main" val="755538817"/>
+      </p:ext>
+    </p:extLst>
+  </p:cSld>
+  <p:clrMapOvr>
+    <a:masterClrMapping/>
+  </p:clrMapOvr>
+</p:sld>
+</file>
+
+<file path=ppt/slides/slide11.xml><?xml version="1.0" encoding="utf-8"?>
+<p:sld xmlns:a="http://schemas.openxmlformats.org/drawingml/2006/main" xmlns:r="http://schemas.openxmlformats.org/officeDocument/2006/relationships" xmlns:p="http://schemas.openxmlformats.org/presentationml/2006/main">
+  <p:cSld>
+    <p:spTree>
+      <p:nvGrpSpPr>
+        <p:cNvPr id="1" name=""/>
+        <p:cNvGrpSpPr/>
+        <p:nvPr/>
+      </p:nvGrpSpPr>
+      <p:grpSpPr>
+        <a:xfrm>
+          <a:off x="0" y="0"/>
+          <a:ext cx="0" cy="0"/>
+          <a:chOff x="0" y="0"/>
+          <a:chExt cx="0" cy="0"/>
+        </a:xfrm>
+      </p:grpSpPr>
+      <p:sp>
+        <p:nvSpPr>
+          <p:cNvPr id="2" name="Заголовок 1"/>
+          <p:cNvSpPr>
+            <a:spLocks noGrp="1"/>
+          </p:cNvSpPr>
+          <p:nvPr>
+            <p:ph type="title"/>
+          </p:nvPr>
+        </p:nvSpPr>
+        <p:spPr/>
+        <p:txBody>
+          <a:bodyPr/>
+          <a:lstStyle/>
+          <a:p>
+            <a:r>
+              <a:rPr lang="ru-RU" dirty="0"/>
               <a:t>МАТЕМАТИКА</a:t>
             </a:r>
           </a:p>
@@ -13021,10 +13102,10 @@
       </p:sp>
       <p:pic>
         <p:nvPicPr>
-          <p:cNvPr id="6" name="Рисунок 5">
+          <p:cNvPr id="5" name="Рисунок 4">
             <a:extLst>
               <a:ext uri="{FF2B5EF4-FFF2-40B4-BE49-F238E27FC236}">
-                <a16:creationId xmlns:a16="http://schemas.microsoft.com/office/drawing/2014/main" id="{8CC7109B-DC63-4571-8B61-C6B1C630C3EB}"/>
+                <a16:creationId xmlns:a16="http://schemas.microsoft.com/office/drawing/2014/main" id="{6F72F23A-44AE-40F1-A036-68FAB329081B}"/>
               </a:ext>
             </a:extLst>
           </p:cNvPr>
@@ -13039,7 +13120,7 @@
         </p:blipFill>
         <p:spPr>
           <a:xfrm>
-            <a:off x="4968875" y="1807527"/>
+            <a:off x="4968875" y="1883727"/>
             <a:ext cx="5940425" cy="4233545"/>
           </a:xfrm>
           <a:prstGeom prst="rect">
@@ -13153,7 +13234,7 @@
           <a:p>
             <a:r>
               <a:rPr lang="ru-RU" dirty="0"/>
-              <a:t>Щелчком мыши человек выпускает пулю. Пуля летит от человека в сторону мыши. При столкновении пули с кирпичной (коричневой) стеной в месте столкновения открывает портал. Игрок стреляет поочередно то красной, то синей пулей. Красная пуля открывает красный портал, а синяя – синий. В красный портал можно зайти и телепортироваться в синий портал. Цель игры – добраться до выхода из уровня. Если человек падает за край экрана, то уровень начинается заново.</a:t>
+              <a:t>Щелчком мыши человек выпускает пулю. Пуля летит от человека в сторону мыши. При столкновении пули с кирпичной стеной в месте столкновения открывает портал. Игрок стреляет поочередно то красной, то синей пулей. Красная пуля открывает красный портал, а синяя – синий. В красный портал можно зайти и телепортироваться в синий портал. Цель игры – добраться до выхода из уровня. Если человек падает за край экрана, то уровень начинается заново.</a:t>
             </a:r>
           </a:p>
           <a:p>
@@ -13201,8 +13282,11 @@
             </a:r>
             <a:r>
               <a:rPr lang="ru-RU" dirty="0"/>
-              <a:t> развивает логическое мышление, т.к. надо догадаться, как пройти уровень. Еще эта игра развивает память, т.к. нужно следить за тем, какой портал сейчас откроется и открывать портал нужного цвета.</a:t>
-            </a:r>
+              <a:t> развивает логическое мышление, т.к. надо догадаться, как пройти уровень, следить за тем, какой портал сейчас откроется и открывать портал нужного цвета.</a:t>
+            </a:r>
+          </a:p>
+          <a:p>
+            <a:endParaRPr lang="ru-RU" dirty="0"/>
           </a:p>
         </p:txBody>
       </p:sp>
@@ -13270,8 +13354,8 @@
         </p:nvSpPr>
         <p:spPr>
           <a:xfrm>
-            <a:off x="1141412" y="1917700"/>
-            <a:ext cx="9905999" cy="4445000"/>
+            <a:off x="1308100" y="1879600"/>
+            <a:ext cx="9739311" cy="4749800"/>
           </a:xfrm>
         </p:spPr>
         <p:txBody>
@@ -13375,9 +13459,17 @@
               <a:rPr lang="ru-RU" dirty="0"/>
               <a:t> — портал на экране.</a:t>
             </a:r>
-          </a:p>
-          <a:p>
-            <a:endParaRPr lang="ru-RU" dirty="0"/>
+            <a:endParaRPr lang="en-US" dirty="0"/>
+          </a:p>
+          <a:p>
+            <a:r>
+              <a:rPr lang="en-US" dirty="0"/>
+              <a:t>Hand</a:t>
+            </a:r>
+            <a:r>
+              <a:rPr lang="ru-RU" dirty="0"/>
+              <a:t> — рука человека с пушкой.</a:t>
+            </a:r>
           </a:p>
         </p:txBody>
       </p:sp>
@@ -13395,6 +13487,179 @@
 </file>
 
 <file path=ppt/slides/slide5.xml><?xml version="1.0" encoding="utf-8"?>
+<p:sld xmlns:a="http://schemas.openxmlformats.org/drawingml/2006/main" xmlns:r="http://schemas.openxmlformats.org/officeDocument/2006/relationships" xmlns:p="http://schemas.openxmlformats.org/presentationml/2006/main">
+  <p:cSld>
+    <p:spTree>
+      <p:nvGrpSpPr>
+        <p:cNvPr id="1" name=""/>
+        <p:cNvGrpSpPr/>
+        <p:nvPr/>
+      </p:nvGrpSpPr>
+      <p:grpSpPr>
+        <a:xfrm>
+          <a:off x="0" y="0"/>
+          <a:ext cx="0" cy="0"/>
+          <a:chOff x="0" y="0"/>
+          <a:chExt cx="0" cy="0"/>
+        </a:xfrm>
+      </p:grpSpPr>
+      <p:sp>
+        <p:nvSpPr>
+          <p:cNvPr id="2" name="Заголовок 1">
+            <a:extLst>
+              <a:ext uri="{FF2B5EF4-FFF2-40B4-BE49-F238E27FC236}">
+                <a16:creationId xmlns:a16="http://schemas.microsoft.com/office/drawing/2014/main" id="{ECE8E240-B7F0-4825-8DEC-8878A35E18A4}"/>
+              </a:ext>
+            </a:extLst>
+          </p:cNvPr>
+          <p:cNvSpPr>
+            <a:spLocks noGrp="1"/>
+          </p:cNvSpPr>
+          <p:nvPr>
+            <p:ph type="title"/>
+          </p:nvPr>
+        </p:nvSpPr>
+        <p:spPr/>
+        <p:txBody>
+          <a:bodyPr/>
+          <a:lstStyle/>
+          <a:p>
+            <a:r>
+              <a:rPr lang="ru-RU" dirty="0"/>
+              <a:t>Интересные приемы</a:t>
+            </a:r>
+          </a:p>
+        </p:txBody>
+      </p:sp>
+      <p:sp>
+        <p:nvSpPr>
+          <p:cNvPr id="3" name="Объект 2">
+            <a:extLst>
+              <a:ext uri="{FF2B5EF4-FFF2-40B4-BE49-F238E27FC236}">
+                <a16:creationId xmlns:a16="http://schemas.microsoft.com/office/drawing/2014/main" id="{2211838B-83DC-4914-90DA-3677D8A6F9C7}"/>
+              </a:ext>
+            </a:extLst>
+          </p:cNvPr>
+          <p:cNvSpPr>
+            <a:spLocks noGrp="1"/>
+          </p:cNvSpPr>
+          <p:nvPr>
+            <p:ph idx="1"/>
+          </p:nvPr>
+        </p:nvSpPr>
+        <p:spPr>
+          <a:xfrm>
+            <a:off x="1141412" y="1612900"/>
+            <a:ext cx="10059988" cy="5054600"/>
+          </a:xfrm>
+        </p:spPr>
+        <p:txBody>
+          <a:bodyPr>
+            <a:normAutofit fontScale="62500" lnSpcReduction="20000"/>
+          </a:bodyPr>
+          <a:lstStyle/>
+          <a:p>
+            <a:r>
+              <a:rPr lang="ru-RU" dirty="0"/>
+              <a:t>Модульность позволила упростить проект.</a:t>
+            </a:r>
+          </a:p>
+          <a:p>
+            <a:r>
+              <a:rPr lang="ru-RU" dirty="0"/>
+              <a:t>Реализованы обработчик мыши и клавиатуры. </a:t>
+            </a:r>
+          </a:p>
+          <a:p>
+            <a:r>
+              <a:rPr lang="ru-RU" dirty="0"/>
+              <a:t>При помощи событий реализовано запоминание нажата клавиша </a:t>
+            </a:r>
+            <a:r>
+              <a:rPr lang="en-US" dirty="0"/>
+              <a:t>Shift</a:t>
+            </a:r>
+            <a:r>
+              <a:rPr lang="ru-RU" dirty="0"/>
+              <a:t> или нет.</a:t>
+            </a:r>
+          </a:p>
+          <a:p>
+            <a:r>
+              <a:rPr lang="ru-RU" dirty="0"/>
+              <a:t>Реализовано падение человека с ускорением. </a:t>
+            </a:r>
+          </a:p>
+          <a:p>
+            <a:r>
+              <a:rPr lang="ru-RU" dirty="0"/>
+              <a:t>Реализована анимация ходьбы и бега человека при помощи фрэймов.</a:t>
+            </a:r>
+          </a:p>
+          <a:p>
+            <a:r>
+              <a:rPr lang="ru-RU" dirty="0"/>
+              <a:t>Пушка надета на руку человека. Рука и пушка следят за перемещением мыши и поворачивается при помощи трансформаций и подсчета угла поворота. Угол рассчитывается через арктангенс. Учитывается центр вращения руки (в плече человека).</a:t>
+            </a:r>
+          </a:p>
+          <a:p>
+            <a:r>
+              <a:rPr lang="ru-RU" dirty="0"/>
+              <a:t>Реализовано перемещение пули в направлении мыши (по теореме Пифагора и пропорции).</a:t>
+            </a:r>
+          </a:p>
+          <a:p>
+            <a:r>
+              <a:rPr lang="ru-RU" dirty="0"/>
+              <a:t>Реализовано столкновение человека с препятствиями по маске спрайта.</a:t>
+            </a:r>
+          </a:p>
+          <a:p>
+            <a:r>
+              <a:rPr lang="ru-RU" dirty="0"/>
+              <a:t>Реализовано столкновение пули с препятствиями.</a:t>
+            </a:r>
+          </a:p>
+          <a:p>
+            <a:r>
+              <a:rPr lang="ru-RU" dirty="0"/>
+              <a:t>Стены с одних сторон открывают портал (где кирпичи), а с других сторон (где плитка) не открывают портал.</a:t>
+            </a:r>
+          </a:p>
+          <a:p>
+            <a:r>
+              <a:rPr lang="ru-RU" dirty="0"/>
+              <a:t>Кнопки в меню реагируют на перемещение мыши.</a:t>
+            </a:r>
+          </a:p>
+          <a:p>
+            <a:r>
+              <a:rPr lang="ru-RU" dirty="0"/>
+              <a:t>При сохранении запоминается состояние игры, номер уровня, позиции человека, порталов.</a:t>
+            </a:r>
+          </a:p>
+          <a:p>
+            <a:r>
+              <a:rPr lang="ru-RU" dirty="0"/>
+              <a:t>Уровни можно редактировать в текстовом файле.</a:t>
+            </a:r>
+          </a:p>
+        </p:txBody>
+      </p:sp>
+    </p:spTree>
+    <p:extLst>
+      <p:ext uri="{BB962C8B-B14F-4D97-AF65-F5344CB8AC3E}">
+        <p14:creationId xmlns:p14="http://schemas.microsoft.com/office/powerpoint/2010/main" val="38801784"/>
+      </p:ext>
+    </p:extLst>
+  </p:cSld>
+  <p:clrMapOvr>
+    <a:masterClrMapping/>
+  </p:clrMapOvr>
+</p:sld>
+</file>
+
+<file path=ppt/slides/slide6.xml><?xml version="1.0" encoding="utf-8"?>
 <p:sld xmlns:a="http://schemas.openxmlformats.org/drawingml/2006/main" xmlns:r="http://schemas.openxmlformats.org/officeDocument/2006/relationships" xmlns:p="http://schemas.openxmlformats.org/presentationml/2006/main">
   <p:cSld>
     <p:spTree>
@@ -13474,7 +13739,7 @@
 </p:sld>
 </file>
 
-<file path=ppt/slides/slide6.xml><?xml version="1.0" encoding="utf-8"?>
+<file path=ppt/slides/slide7.xml><?xml version="1.0" encoding="utf-8"?>
 <p:sld xmlns:a="http://schemas.openxmlformats.org/drawingml/2006/main" xmlns:r="http://schemas.openxmlformats.org/officeDocument/2006/relationships" xmlns:p="http://schemas.openxmlformats.org/presentationml/2006/main">
   <p:cSld>
     <p:spTree>
@@ -13554,86 +13819,6 @@
 </p:sld>
 </file>
 
-<file path=ppt/slides/slide7.xml><?xml version="1.0" encoding="utf-8"?>
-<p:sld xmlns:a="http://schemas.openxmlformats.org/drawingml/2006/main" xmlns:r="http://schemas.openxmlformats.org/officeDocument/2006/relationships" xmlns:p="http://schemas.openxmlformats.org/presentationml/2006/main">
-  <p:cSld>
-    <p:spTree>
-      <p:nvGrpSpPr>
-        <p:cNvPr id="1" name=""/>
-        <p:cNvGrpSpPr/>
-        <p:nvPr/>
-      </p:nvGrpSpPr>
-      <p:grpSpPr>
-        <a:xfrm>
-          <a:off x="0" y="0"/>
-          <a:ext cx="0" cy="0"/>
-          <a:chOff x="0" y="0"/>
-          <a:chExt cx="0" cy="0"/>
-        </a:xfrm>
-      </p:grpSpPr>
-      <p:sp>
-        <p:nvSpPr>
-          <p:cNvPr id="2" name="Заголовок 1"/>
-          <p:cNvSpPr>
-            <a:spLocks noGrp="1"/>
-          </p:cNvSpPr>
-          <p:nvPr>
-            <p:ph type="title"/>
-          </p:nvPr>
-        </p:nvSpPr>
-        <p:spPr/>
-        <p:txBody>
-          <a:bodyPr/>
-          <a:lstStyle/>
-          <a:p>
-            <a:r>
-              <a:rPr lang="ru-RU" dirty="0"/>
-              <a:t>СКРИНШОТЫ</a:t>
-            </a:r>
-          </a:p>
-        </p:txBody>
-      </p:sp>
-      <p:pic>
-        <p:nvPicPr>
-          <p:cNvPr id="6" name="Рисунок 5">
-            <a:extLst>
-              <a:ext uri="{FF2B5EF4-FFF2-40B4-BE49-F238E27FC236}">
-                <a16:creationId xmlns:a16="http://schemas.microsoft.com/office/drawing/2014/main" id="{EC998C26-A9D1-4DA2-8CA3-FA2DB48C1490}"/>
-              </a:ext>
-            </a:extLst>
-          </p:cNvPr>
-          <p:cNvPicPr/>
-          <p:nvPr/>
-        </p:nvPicPr>
-        <p:blipFill>
-          <a:blip r:embed="rId2"/>
-          <a:stretch>
-            <a:fillRect/>
-          </a:stretch>
-        </p:blipFill>
-        <p:spPr>
-          <a:xfrm>
-            <a:off x="3124199" y="2005937"/>
-            <a:ext cx="5940425" cy="4233545"/>
-          </a:xfrm>
-          <a:prstGeom prst="rect">
-            <a:avLst/>
-          </a:prstGeom>
-        </p:spPr>
-      </p:pic>
-    </p:spTree>
-    <p:extLst>
-      <p:ext uri="{BB962C8B-B14F-4D97-AF65-F5344CB8AC3E}">
-        <p14:creationId xmlns:p14="http://schemas.microsoft.com/office/powerpoint/2010/main" val="553524530"/>
-      </p:ext>
-    </p:extLst>
-  </p:cSld>
-  <p:clrMapOvr>
-    <a:masterClrMapping/>
-  </p:clrMapOvr>
-</p:sld>
-</file>
-
 <file path=ppt/slides/slide8.xml><?xml version="1.0" encoding="utf-8"?>
 <p:sld xmlns:a="http://schemas.openxmlformats.org/drawingml/2006/main" xmlns:r="http://schemas.openxmlformats.org/officeDocument/2006/relationships" xmlns:p="http://schemas.openxmlformats.org/presentationml/2006/main">
   <p:cSld>
@@ -13675,10 +13860,10 @@
       </p:sp>
       <p:pic>
         <p:nvPicPr>
-          <p:cNvPr id="4" name="Рисунок 3">
+          <p:cNvPr id="5" name="Рисунок 4">
             <a:extLst>
               <a:ext uri="{FF2B5EF4-FFF2-40B4-BE49-F238E27FC236}">
-                <a16:creationId xmlns:a16="http://schemas.microsoft.com/office/drawing/2014/main" id="{13869E9B-5DE3-45C6-AD0A-D263C5983FC3}"/>
+                <a16:creationId xmlns:a16="http://schemas.microsoft.com/office/drawing/2014/main" id="{E4D711D9-A232-4790-909A-88D44B2C8DC2}"/>
               </a:ext>
             </a:extLst>
           </p:cNvPr>
@@ -13693,8 +13878,8 @@
         </p:blipFill>
         <p:spPr>
           <a:xfrm>
-            <a:off x="3856037" y="2173288"/>
-            <a:ext cx="4476750" cy="2990850"/>
+            <a:off x="3124199" y="1883727"/>
+            <a:ext cx="5940425" cy="4233545"/>
           </a:xfrm>
           <a:prstGeom prst="rect">
             <a:avLst/>
@@ -13704,7 +13889,7 @@
     </p:spTree>
     <p:extLst>
       <p:ext uri="{BB962C8B-B14F-4D97-AF65-F5344CB8AC3E}">
-        <p14:creationId xmlns:p14="http://schemas.microsoft.com/office/powerpoint/2010/main" val="888708312"/>
+        <p14:creationId xmlns:p14="http://schemas.microsoft.com/office/powerpoint/2010/main" val="553524530"/>
       </p:ext>
     </p:extLst>
   </p:cSld>
@@ -13755,10 +13940,10 @@
       </p:sp>
       <p:pic>
         <p:nvPicPr>
-          <p:cNvPr id="5" name="Рисунок 4">
+          <p:cNvPr id="4" name="Рисунок 3">
             <a:extLst>
               <a:ext uri="{FF2B5EF4-FFF2-40B4-BE49-F238E27FC236}">
-                <a16:creationId xmlns:a16="http://schemas.microsoft.com/office/drawing/2014/main" id="{0B9652C0-128F-4516-B511-68A61DF3F162}"/>
+                <a16:creationId xmlns:a16="http://schemas.microsoft.com/office/drawing/2014/main" id="{13869E9B-5DE3-45C6-AD0A-D263C5983FC3}"/>
               </a:ext>
             </a:extLst>
           </p:cNvPr>
@@ -13773,8 +13958,8 @@
         </p:blipFill>
         <p:spPr>
           <a:xfrm>
-            <a:off x="3124199" y="2005937"/>
-            <a:ext cx="5940425" cy="4233545"/>
+            <a:off x="3856037" y="2173288"/>
+            <a:ext cx="4476750" cy="2990850"/>
           </a:xfrm>
           <a:prstGeom prst="rect">
             <a:avLst/>
@@ -13784,7 +13969,7 @@
     </p:spTree>
     <p:extLst>
       <p:ext uri="{BB962C8B-B14F-4D97-AF65-F5344CB8AC3E}">
-        <p14:creationId xmlns:p14="http://schemas.microsoft.com/office/powerpoint/2010/main" val="755538817"/>
+        <p14:creationId xmlns:p14="http://schemas.microsoft.com/office/powerpoint/2010/main" val="888708312"/>
       </p:ext>
     </p:extLst>
   </p:cSld>
